--- a/相关报告/开题答辩ppt.pptx
+++ b/相关报告/开题答辩ppt.pptx
@@ -120,6 +120,11 @@
       </a:defRPr>
     </a:lvl9pPr>
   </p:defaultTextStyle>
+  <p:extLst>
+    <p:ext uri="{EFAFB233-063F-42B5-8137-9DF3F51BA10A}">
+      <p15:sldGuideLst xmlns:p15="http://schemas.microsoft.com/office/powerpoint/2012/main"/>
+    </p:ext>
+  </p:extLst>
 </p:presentation>
 </file>
 
@@ -205,7 +210,7 @@
           <a:p>
             <a:fld id="{505E1E61-65E1-AF4A-B252-EF1114F8196E}" type="datetimeFigureOut">
               <a:rPr kumimoji="1" lang="zh-CN" altLang="en-US" smtClean="0"/>
-              <a:t>2017/12/21</a:t>
+              <a:t>2018/1/3</a:t>
             </a:fld>
             <a:endParaRPr kumimoji="1" lang="zh-CN" altLang="en-US"/>
           </a:p>
@@ -1280,7 +1285,7 @@
             <a:fld id="{B61BEF0D-F0BB-DE4B-95CE-6DB70DBA9567}" type="datetimeFigureOut">
               <a:rPr lang="en-US" dirty="0"/>
               <a:pPr/>
-              <a:t>12/21/17</a:t>
+              <a:t>1/3/18</a:t>
             </a:fld>
             <a:endParaRPr lang="en-US" dirty="0"/>
           </a:p>
@@ -1528,7 +1533,7 @@
             <a:fld id="{B61BEF0D-F0BB-DE4B-95CE-6DB70DBA9567}" type="datetimeFigureOut">
               <a:rPr lang="en-US" dirty="0"/>
               <a:pPr/>
-              <a:t>12/21/17</a:t>
+              <a:t>1/3/18</a:t>
             </a:fld>
             <a:endParaRPr lang="en-US" dirty="0"/>
           </a:p>
@@ -1839,7 +1844,7 @@
             <a:fld id="{B61BEF0D-F0BB-DE4B-95CE-6DB70DBA9567}" type="datetimeFigureOut">
               <a:rPr lang="en-US" dirty="0"/>
               <a:pPr/>
-              <a:t>12/21/17</a:t>
+              <a:t>1/3/18</a:t>
             </a:fld>
             <a:endParaRPr lang="en-US" dirty="0"/>
           </a:p>
@@ -2177,7 +2182,7 @@
             <a:fld id="{B61BEF0D-F0BB-DE4B-95CE-6DB70DBA9567}" type="datetimeFigureOut">
               <a:rPr lang="en-US" dirty="0"/>
               <a:pPr/>
-              <a:t>12/21/17</a:t>
+              <a:t>1/3/18</a:t>
             </a:fld>
             <a:endParaRPr lang="en-US" dirty="0"/>
           </a:p>
@@ -2488,7 +2493,7 @@
             <a:fld id="{B61BEF0D-F0BB-DE4B-95CE-6DB70DBA9567}" type="datetimeFigureOut">
               <a:rPr lang="en-US" dirty="0"/>
               <a:pPr/>
-              <a:t>12/21/17</a:t>
+              <a:t>1/3/18</a:t>
             </a:fld>
             <a:endParaRPr lang="en-US" dirty="0"/>
           </a:p>
@@ -2878,7 +2883,7 @@
             <a:fld id="{B61BEF0D-F0BB-DE4B-95CE-6DB70DBA9567}" type="datetimeFigureOut">
               <a:rPr lang="en-US" dirty="0"/>
               <a:pPr/>
-              <a:t>12/21/17</a:t>
+              <a:t>1/3/18</a:t>
             </a:fld>
             <a:endParaRPr lang="en-US" dirty="0"/>
           </a:p>
@@ -3044,7 +3049,7 @@
           <a:p>
             <a:fld id="{55C6B4A9-1611-4792-9094-5F34BCA07E0B}" type="datetimeFigureOut">
               <a:rPr lang="en-US" dirty="0"/>
-              <a:t>12/21/17</a:t>
+              <a:t>1/3/18</a:t>
             </a:fld>
             <a:endParaRPr lang="en-US" dirty="0"/>
           </a:p>
@@ -3220,7 +3225,7 @@
             <a:fld id="{B61BEF0D-F0BB-DE4B-95CE-6DB70DBA9567}" type="datetimeFigureOut">
               <a:rPr lang="en-US" dirty="0"/>
               <a:pPr/>
-              <a:t>12/21/17</a:t>
+              <a:t>1/3/18</a:t>
             </a:fld>
             <a:endParaRPr lang="en-US" dirty="0"/>
           </a:p>
@@ -3393,7 +3398,7 @@
             <a:fld id="{B61BEF0D-F0BB-DE4B-95CE-6DB70DBA9567}" type="datetimeFigureOut">
               <a:rPr lang="en-US" dirty="0"/>
               <a:pPr/>
-              <a:t>12/21/17</a:t>
+              <a:t>1/3/18</a:t>
             </a:fld>
             <a:endParaRPr lang="en-US" dirty="0"/>
           </a:p>
@@ -3637,7 +3642,7 @@
             <a:fld id="{B61BEF0D-F0BB-DE4B-95CE-6DB70DBA9567}" type="datetimeFigureOut">
               <a:rPr lang="en-US" dirty="0"/>
               <a:pPr/>
-              <a:t>12/21/17</a:t>
+              <a:t>1/3/18</a:t>
             </a:fld>
             <a:endParaRPr lang="en-US" dirty="0"/>
           </a:p>
@@ -3865,7 +3870,7 @@
           <a:p>
             <a:fld id="{EB712588-04B1-427B-82EE-E8DB90309F08}" type="datetimeFigureOut">
               <a:rPr lang="en-US" dirty="0"/>
-              <a:t>12/21/17</a:t>
+              <a:t>1/3/18</a:t>
             </a:fld>
             <a:endParaRPr lang="en-US" dirty="0"/>
           </a:p>
@@ -4235,7 +4240,7 @@
             <a:fld id="{B61BEF0D-F0BB-DE4B-95CE-6DB70DBA9567}" type="datetimeFigureOut">
               <a:rPr lang="en-US" dirty="0"/>
               <a:pPr/>
-              <a:t>12/21/17</a:t>
+              <a:t>1/3/18</a:t>
             </a:fld>
             <a:endParaRPr lang="en-US" dirty="0"/>
           </a:p>
@@ -4355,7 +4360,7 @@
             <a:fld id="{B61BEF0D-F0BB-DE4B-95CE-6DB70DBA9567}" type="datetimeFigureOut">
               <a:rPr lang="en-US" dirty="0"/>
               <a:pPr/>
-              <a:t>12/21/17</a:t>
+              <a:t>1/3/18</a:t>
             </a:fld>
             <a:endParaRPr lang="en-US" dirty="0"/>
           </a:p>
@@ -4447,7 +4452,7 @@
             <a:fld id="{B61BEF0D-F0BB-DE4B-95CE-6DB70DBA9567}" type="datetimeFigureOut">
               <a:rPr lang="en-US" dirty="0"/>
               <a:pPr/>
-              <a:t>12/21/17</a:t>
+              <a:t>1/3/18</a:t>
             </a:fld>
             <a:endParaRPr lang="en-US" dirty="0"/>
           </a:p>
@@ -4698,7 +4703,7 @@
           <a:p>
             <a:fld id="{42A54C80-263E-416B-A8E0-580EDEADCBDC}" type="datetimeFigureOut">
               <a:rPr lang="en-US" dirty="0"/>
-              <a:t>12/21/17</a:t>
+              <a:t>1/3/18</a:t>
             </a:fld>
             <a:endParaRPr lang="en-US" dirty="0"/>
           </a:p>
@@ -4957,7 +4962,7 @@
             <a:fld id="{B61BEF0D-F0BB-DE4B-95CE-6DB70DBA9567}" type="datetimeFigureOut">
               <a:rPr lang="en-US" dirty="0"/>
               <a:pPr/>
-              <a:t>12/21/17</a:t>
+              <a:t>1/3/18</a:t>
             </a:fld>
             <a:endParaRPr lang="en-US" dirty="0"/>
           </a:p>
@@ -5697,7 +5702,7 @@
             <a:fld id="{B61BEF0D-F0BB-DE4B-95CE-6DB70DBA9567}" type="datetimeFigureOut">
               <a:rPr lang="en-US" dirty="0"/>
               <a:pPr/>
-              <a:t>12/21/17</a:t>
+              <a:t>1/3/18</a:t>
             </a:fld>
             <a:endParaRPr lang="en-US" dirty="0"/>
           </a:p>
@@ -6255,14 +6260,6 @@
           <a:bodyPr/>
           <a:lstStyle/>
           <a:p>
-            <a:r>
-              <a:rPr kumimoji="1" lang="en-US" altLang="zh-CN" dirty="0" smtClean="0"/>
-              <a:t>140410126</a:t>
-            </a:r>
-            <a:r>
-              <a:rPr kumimoji="1" lang="zh-CN" altLang="en-US" dirty="0" smtClean="0"/>
-              <a:t> 刘连兴</a:t>
-            </a:r>
             <a:endParaRPr kumimoji="1" lang="zh-CN" altLang="en-US" dirty="0"/>
           </a:p>
         </p:txBody>
@@ -10329,11 +10326,15 @@
             <a:pPr lvl="1"/>
             <a:r>
               <a:rPr lang="zh-CN" altLang="zh-CN" sz="2000" dirty="0"/>
-              <a:t>手续复杂，周期延长，效率低下</a:t>
-            </a:r>
+              <a:t>手续复杂，周期延长，效率低下 </a:t>
+            </a:r>
+            <a:endParaRPr lang="en-US" altLang="zh-CN" sz="2000" dirty="0" smtClean="0"/>
+          </a:p>
+          <a:p>
+            <a:pPr lvl="1"/>
             <a:r>
               <a:rPr lang="zh-CN" altLang="zh-CN" sz="2000" dirty="0"/>
-              <a:t> </a:t>
+              <a:t>管理复杂 </a:t>
             </a:r>
             <a:endParaRPr lang="en-US" altLang="zh-CN" sz="2000" dirty="0" smtClean="0"/>
           </a:p>
@@ -10341,11 +10342,15 @@
             <a:pPr lvl="1"/>
             <a:r>
               <a:rPr lang="zh-CN" altLang="zh-CN" sz="2000" dirty="0"/>
-              <a:t>管理复杂</a:t>
-            </a:r>
+              <a:t>过程不透明 </a:t>
+            </a:r>
+            <a:endParaRPr lang="en-US" altLang="zh-CN" sz="2000" dirty="0" smtClean="0"/>
+          </a:p>
+          <a:p>
+            <a:pPr lvl="1"/>
             <a:r>
               <a:rPr lang="zh-CN" altLang="zh-CN" sz="2000" dirty="0"/>
-              <a:t> </a:t>
+              <a:t>不方便统计 </a:t>
             </a:r>
             <a:endParaRPr lang="en-US" altLang="zh-CN" sz="2000" dirty="0" smtClean="0"/>
           </a:p>
@@ -10353,35 +10358,7 @@
             <a:pPr lvl="1"/>
             <a:r>
               <a:rPr lang="zh-CN" altLang="zh-CN" sz="2000" dirty="0"/>
-              <a:t>过程不透明</a:t>
-            </a:r>
-            <a:r>
-              <a:rPr lang="zh-CN" altLang="zh-CN" sz="2000" dirty="0"/>
-              <a:t> </a:t>
-            </a:r>
-            <a:endParaRPr lang="en-US" altLang="zh-CN" sz="2000" dirty="0" smtClean="0"/>
-          </a:p>
-          <a:p>
-            <a:pPr lvl="1"/>
-            <a:r>
-              <a:rPr lang="zh-CN" altLang="zh-CN" sz="2000" dirty="0"/>
-              <a:t>不方便统计</a:t>
-            </a:r>
-            <a:r>
-              <a:rPr lang="zh-CN" altLang="zh-CN" sz="2000" dirty="0"/>
-              <a:t> </a:t>
-            </a:r>
-            <a:endParaRPr lang="en-US" altLang="zh-CN" sz="2000" dirty="0" smtClean="0"/>
-          </a:p>
-          <a:p>
-            <a:pPr lvl="1"/>
-            <a:r>
-              <a:rPr lang="zh-CN" altLang="zh-CN" sz="2000" dirty="0"/>
-              <a:t>问题解决的滞后性</a:t>
-            </a:r>
-            <a:r>
-              <a:rPr lang="zh-CN" altLang="zh-CN" sz="2000" dirty="0"/>
-              <a:t> </a:t>
+              <a:t>问题解决的滞后性 </a:t>
             </a:r>
             <a:endParaRPr lang="en-US" altLang="zh-CN" sz="2000" dirty="0" smtClean="0"/>
           </a:p>
@@ -10968,22 +10945,14 @@
           <a:p>
             <a:r>
               <a:rPr lang="zh-CN" altLang="zh-CN" sz="2800" dirty="0"/>
-              <a:t>线上差旅申请和报销的自动化管理</a:t>
-            </a:r>
+              <a:t>线上差旅申请和报销的自动化管理 </a:t>
+            </a:r>
+            <a:endParaRPr lang="en-US" altLang="zh-CN" sz="2800" dirty="0" smtClean="0"/>
+          </a:p>
+          <a:p>
             <a:r>
               <a:rPr lang="zh-CN" altLang="zh-CN" sz="2800" dirty="0"/>
-              <a:t> </a:t>
-            </a:r>
-            <a:endParaRPr lang="en-US" altLang="zh-CN" sz="2800" dirty="0" smtClean="0"/>
-          </a:p>
-          <a:p>
-            <a:r>
-              <a:rPr lang="zh-CN" altLang="zh-CN" sz="2800" dirty="0"/>
-              <a:t>单据和申请表单的管理</a:t>
-            </a:r>
-            <a:r>
-              <a:rPr lang="zh-CN" altLang="zh-CN" sz="2800" dirty="0"/>
-              <a:t> </a:t>
+              <a:t>单据和申请表单的管理 </a:t>
             </a:r>
             <a:endParaRPr lang="en-US" altLang="zh-CN" sz="2800" dirty="0" smtClean="0"/>
           </a:p>
@@ -11005,11 +10974,7 @@
             </a:r>
             <a:r>
               <a:rPr lang="zh-CN" altLang="zh-CN" sz="2800" dirty="0"/>
-              <a:t>数据进行统计</a:t>
-            </a:r>
-            <a:r>
-              <a:rPr lang="zh-CN" altLang="zh-CN" sz="2800" dirty="0"/>
-              <a:t> </a:t>
+              <a:t>数据进行统计 </a:t>
             </a:r>
             <a:endParaRPr lang="en-US" altLang="zh-CN" sz="2800" dirty="0" smtClean="0"/>
           </a:p>

--- a/相关报告/开题答辩ppt.pptx
+++ b/相关报告/开题答辩ppt.pptx
@@ -210,7 +210,7 @@
           <a:p>
             <a:fld id="{505E1E61-65E1-AF4A-B252-EF1114F8196E}" type="datetimeFigureOut">
               <a:rPr kumimoji="1" lang="zh-CN" altLang="en-US" smtClean="0"/>
-              <a:t>2018/1/3</a:t>
+              <a:t>2018/6/14</a:t>
             </a:fld>
             <a:endParaRPr kumimoji="1" lang="zh-CN" altLang="en-US"/>
           </a:p>
@@ -1285,7 +1285,7 @@
             <a:fld id="{B61BEF0D-F0BB-DE4B-95CE-6DB70DBA9567}" type="datetimeFigureOut">
               <a:rPr lang="en-US" dirty="0"/>
               <a:pPr/>
-              <a:t>1/3/18</a:t>
+              <a:t>6/14/18</a:t>
             </a:fld>
             <a:endParaRPr lang="en-US" dirty="0"/>
           </a:p>
@@ -1533,7 +1533,7 @@
             <a:fld id="{B61BEF0D-F0BB-DE4B-95CE-6DB70DBA9567}" type="datetimeFigureOut">
               <a:rPr lang="en-US" dirty="0"/>
               <a:pPr/>
-              <a:t>1/3/18</a:t>
+              <a:t>6/14/18</a:t>
             </a:fld>
             <a:endParaRPr lang="en-US" dirty="0"/>
           </a:p>
@@ -1844,7 +1844,7 @@
             <a:fld id="{B61BEF0D-F0BB-DE4B-95CE-6DB70DBA9567}" type="datetimeFigureOut">
               <a:rPr lang="en-US" dirty="0"/>
               <a:pPr/>
-              <a:t>1/3/18</a:t>
+              <a:t>6/14/18</a:t>
             </a:fld>
             <a:endParaRPr lang="en-US" dirty="0"/>
           </a:p>
@@ -2182,7 +2182,7 @@
             <a:fld id="{B61BEF0D-F0BB-DE4B-95CE-6DB70DBA9567}" type="datetimeFigureOut">
               <a:rPr lang="en-US" dirty="0"/>
               <a:pPr/>
-              <a:t>1/3/18</a:t>
+              <a:t>6/14/18</a:t>
             </a:fld>
             <a:endParaRPr lang="en-US" dirty="0"/>
           </a:p>
@@ -2493,7 +2493,7 @@
             <a:fld id="{B61BEF0D-F0BB-DE4B-95CE-6DB70DBA9567}" type="datetimeFigureOut">
               <a:rPr lang="en-US" dirty="0"/>
               <a:pPr/>
-              <a:t>1/3/18</a:t>
+              <a:t>6/14/18</a:t>
             </a:fld>
             <a:endParaRPr lang="en-US" dirty="0"/>
           </a:p>
@@ -2883,7 +2883,7 @@
             <a:fld id="{B61BEF0D-F0BB-DE4B-95CE-6DB70DBA9567}" type="datetimeFigureOut">
               <a:rPr lang="en-US" dirty="0"/>
               <a:pPr/>
-              <a:t>1/3/18</a:t>
+              <a:t>6/14/18</a:t>
             </a:fld>
             <a:endParaRPr lang="en-US" dirty="0"/>
           </a:p>
@@ -3049,7 +3049,7 @@
           <a:p>
             <a:fld id="{55C6B4A9-1611-4792-9094-5F34BCA07E0B}" type="datetimeFigureOut">
               <a:rPr lang="en-US" dirty="0"/>
-              <a:t>1/3/18</a:t>
+              <a:t>6/14/18</a:t>
             </a:fld>
             <a:endParaRPr lang="en-US" dirty="0"/>
           </a:p>
@@ -3225,7 +3225,7 @@
             <a:fld id="{B61BEF0D-F0BB-DE4B-95CE-6DB70DBA9567}" type="datetimeFigureOut">
               <a:rPr lang="en-US" dirty="0"/>
               <a:pPr/>
-              <a:t>1/3/18</a:t>
+              <a:t>6/14/18</a:t>
             </a:fld>
             <a:endParaRPr lang="en-US" dirty="0"/>
           </a:p>
@@ -3398,7 +3398,7 @@
             <a:fld id="{B61BEF0D-F0BB-DE4B-95CE-6DB70DBA9567}" type="datetimeFigureOut">
               <a:rPr lang="en-US" dirty="0"/>
               <a:pPr/>
-              <a:t>1/3/18</a:t>
+              <a:t>6/14/18</a:t>
             </a:fld>
             <a:endParaRPr lang="en-US" dirty="0"/>
           </a:p>
@@ -3642,7 +3642,7 @@
             <a:fld id="{B61BEF0D-F0BB-DE4B-95CE-6DB70DBA9567}" type="datetimeFigureOut">
               <a:rPr lang="en-US" dirty="0"/>
               <a:pPr/>
-              <a:t>1/3/18</a:t>
+              <a:t>6/14/18</a:t>
             </a:fld>
             <a:endParaRPr lang="en-US" dirty="0"/>
           </a:p>
@@ -3870,7 +3870,7 @@
           <a:p>
             <a:fld id="{EB712588-04B1-427B-82EE-E8DB90309F08}" type="datetimeFigureOut">
               <a:rPr lang="en-US" dirty="0"/>
-              <a:t>1/3/18</a:t>
+              <a:t>6/14/18</a:t>
             </a:fld>
             <a:endParaRPr lang="en-US" dirty="0"/>
           </a:p>
@@ -4240,7 +4240,7 @@
             <a:fld id="{B61BEF0D-F0BB-DE4B-95CE-6DB70DBA9567}" type="datetimeFigureOut">
               <a:rPr lang="en-US" dirty="0"/>
               <a:pPr/>
-              <a:t>1/3/18</a:t>
+              <a:t>6/14/18</a:t>
             </a:fld>
             <a:endParaRPr lang="en-US" dirty="0"/>
           </a:p>
@@ -4360,7 +4360,7 @@
             <a:fld id="{B61BEF0D-F0BB-DE4B-95CE-6DB70DBA9567}" type="datetimeFigureOut">
               <a:rPr lang="en-US" dirty="0"/>
               <a:pPr/>
-              <a:t>1/3/18</a:t>
+              <a:t>6/14/18</a:t>
             </a:fld>
             <a:endParaRPr lang="en-US" dirty="0"/>
           </a:p>
@@ -4452,7 +4452,7 @@
             <a:fld id="{B61BEF0D-F0BB-DE4B-95CE-6DB70DBA9567}" type="datetimeFigureOut">
               <a:rPr lang="en-US" dirty="0"/>
               <a:pPr/>
-              <a:t>1/3/18</a:t>
+              <a:t>6/14/18</a:t>
             </a:fld>
             <a:endParaRPr lang="en-US" dirty="0"/>
           </a:p>
@@ -4703,7 +4703,7 @@
           <a:p>
             <a:fld id="{42A54C80-263E-416B-A8E0-580EDEADCBDC}" type="datetimeFigureOut">
               <a:rPr lang="en-US" dirty="0"/>
-              <a:t>1/3/18</a:t>
+              <a:t>6/14/18</a:t>
             </a:fld>
             <a:endParaRPr lang="en-US" dirty="0"/>
           </a:p>
@@ -4962,7 +4962,7 @@
             <a:fld id="{B61BEF0D-F0BB-DE4B-95CE-6DB70DBA9567}" type="datetimeFigureOut">
               <a:rPr lang="en-US" dirty="0"/>
               <a:pPr/>
-              <a:t>1/3/18</a:t>
+              <a:t>6/14/18</a:t>
             </a:fld>
             <a:endParaRPr lang="en-US" dirty="0"/>
           </a:p>
@@ -5702,7 +5702,7 @@
             <a:fld id="{B61BEF0D-F0BB-DE4B-95CE-6DB70DBA9567}" type="datetimeFigureOut">
               <a:rPr lang="en-US" dirty="0"/>
               <a:pPr/>
-              <a:t>1/3/18</a:t>
+              <a:t>6/14/18</a:t>
             </a:fld>
             <a:endParaRPr lang="en-US" dirty="0"/>
           </a:p>
@@ -10939,7 +10939,7 @@
         </p:spPr>
         <p:txBody>
           <a:bodyPr>
-            <a:normAutofit fontScale="92500" lnSpcReduction="10000"/>
+            <a:normAutofit/>
           </a:bodyPr>
           <a:lstStyle/>
           <a:p>
@@ -10951,26 +10951,19 @@
           </a:p>
           <a:p>
             <a:r>
-              <a:rPr lang="zh-CN" altLang="zh-CN" sz="2800" dirty="0"/>
-              <a:t>单据和申请表单的管理 </a:t>
+              <a:rPr lang="zh-CN" altLang="zh-CN" sz="2800" dirty="0" smtClean="0"/>
+              <a:t>对实验室项目基本信息的管理 </a:t>
             </a:r>
             <a:endParaRPr lang="en-US" altLang="zh-CN" sz="2800" dirty="0" smtClean="0"/>
           </a:p>
           <a:p>
             <a:r>
-              <a:rPr lang="zh-CN" altLang="zh-CN" sz="2800" dirty="0"/>
-              <a:t>对实验室项目基本信息的</a:t>
-            </a:r>
-            <a:r>
               <a:rPr lang="zh-CN" altLang="zh-CN" sz="2800" dirty="0" smtClean="0"/>
-              <a:t>管理 </a:t>
-            </a:r>
-            <a:endParaRPr lang="en-US" altLang="zh-CN" sz="2800" dirty="0" smtClean="0"/>
-          </a:p>
-          <a:p>
+              <a:t>对</a:t>
+            </a:r>
             <a:r>
               <a:rPr lang="zh-CN" altLang="zh-CN" sz="2800" dirty="0" smtClean="0"/>
-              <a:t>对报销</a:t>
+              <a:t>报销</a:t>
             </a:r>
             <a:r>
               <a:rPr lang="zh-CN" altLang="zh-CN" sz="2800" dirty="0"/>
@@ -11000,7 +10993,19 @@
           <a:p>
             <a:r>
               <a:rPr lang="zh-CN" altLang="zh-CN" sz="2800" dirty="0"/>
-              <a:t>在管理系统实现对项目、人员、制度的</a:t>
+              <a:t>在管理系统实现对项目、人员</a:t>
+            </a:r>
+            <a:r>
+              <a:rPr lang="zh-CN" altLang="zh-CN" sz="2800" dirty="0" smtClean="0"/>
+              <a:t>、</a:t>
+            </a:r>
+            <a:r>
+              <a:rPr lang="zh-CN" altLang="en-US" sz="2800" dirty="0" smtClean="0"/>
+              <a:t>政策</a:t>
+            </a:r>
+            <a:r>
+              <a:rPr lang="zh-CN" altLang="zh-CN" sz="2800" dirty="0" smtClean="0"/>
+              <a:t>的</a:t>
             </a:r>
             <a:r>
               <a:rPr lang="zh-CN" altLang="zh-CN" sz="2800" dirty="0" smtClean="0"/>
